--- a/Protocol図.pptx
+++ b/Protocol図.pptx
@@ -7,6 +7,7 @@
   <p:sldIdLst>
     <p:sldId id="256" r:id="rId2"/>
     <p:sldId id="257" r:id="rId3"/>
+    <p:sldId id="259" r:id="rId4"/>
   </p:sldIdLst>
   <p:sldSz cx="12192000" cy="6858000"/>
   <p:notesSz cx="6858000" cy="9144000"/>
@@ -260,7 +261,7 @@
           <a:p>
             <a:fld id="{66DE90E4-9A41-4B10-87B2-D038063C36D0}" type="datetimeFigureOut">
               <a:rPr kumimoji="1" lang="ja-JP" altLang="en-US" smtClean="0"/>
-              <a:t>2022/3/13</a:t>
+              <a:t>2022/8/21</a:t>
             </a:fld>
             <a:endParaRPr kumimoji="1" lang="ja-JP" altLang="en-US"/>
           </a:p>
@@ -490,7 +491,7 @@
           <a:p>
             <a:fld id="{66DE90E4-9A41-4B10-87B2-D038063C36D0}" type="datetimeFigureOut">
               <a:rPr kumimoji="1" lang="ja-JP" altLang="en-US" smtClean="0"/>
-              <a:t>2022/3/13</a:t>
+              <a:t>2022/8/21</a:t>
             </a:fld>
             <a:endParaRPr kumimoji="1" lang="ja-JP" altLang="en-US"/>
           </a:p>
@@ -730,7 +731,7 @@
           <a:p>
             <a:fld id="{66DE90E4-9A41-4B10-87B2-D038063C36D0}" type="datetimeFigureOut">
               <a:rPr kumimoji="1" lang="ja-JP" altLang="en-US" smtClean="0"/>
-              <a:t>2022/3/13</a:t>
+              <a:t>2022/8/21</a:t>
             </a:fld>
             <a:endParaRPr kumimoji="1" lang="ja-JP" altLang="en-US"/>
           </a:p>
@@ -960,7 +961,7 @@
           <a:p>
             <a:fld id="{66DE90E4-9A41-4B10-87B2-D038063C36D0}" type="datetimeFigureOut">
               <a:rPr kumimoji="1" lang="ja-JP" altLang="en-US" smtClean="0"/>
-              <a:t>2022/3/13</a:t>
+              <a:t>2022/8/21</a:t>
             </a:fld>
             <a:endParaRPr kumimoji="1" lang="ja-JP" altLang="en-US"/>
           </a:p>
@@ -1235,7 +1236,7 @@
           <a:p>
             <a:fld id="{66DE90E4-9A41-4B10-87B2-D038063C36D0}" type="datetimeFigureOut">
               <a:rPr kumimoji="1" lang="ja-JP" altLang="en-US" smtClean="0"/>
-              <a:t>2022/3/13</a:t>
+              <a:t>2022/8/21</a:t>
             </a:fld>
             <a:endParaRPr kumimoji="1" lang="ja-JP" altLang="en-US"/>
           </a:p>
@@ -1564,7 +1565,7 @@
           <a:p>
             <a:fld id="{66DE90E4-9A41-4B10-87B2-D038063C36D0}" type="datetimeFigureOut">
               <a:rPr kumimoji="1" lang="ja-JP" altLang="en-US" smtClean="0"/>
-              <a:t>2022/3/13</a:t>
+              <a:t>2022/8/21</a:t>
             </a:fld>
             <a:endParaRPr kumimoji="1" lang="ja-JP" altLang="en-US"/>
           </a:p>
@@ -2040,7 +2041,7 @@
           <a:p>
             <a:fld id="{66DE90E4-9A41-4B10-87B2-D038063C36D0}" type="datetimeFigureOut">
               <a:rPr kumimoji="1" lang="ja-JP" altLang="en-US" smtClean="0"/>
-              <a:t>2022/3/13</a:t>
+              <a:t>2022/8/21</a:t>
             </a:fld>
             <a:endParaRPr kumimoji="1" lang="ja-JP" altLang="en-US"/>
           </a:p>
@@ -2181,7 +2182,7 @@
           <a:p>
             <a:fld id="{66DE90E4-9A41-4B10-87B2-D038063C36D0}" type="datetimeFigureOut">
               <a:rPr kumimoji="1" lang="ja-JP" altLang="en-US" smtClean="0"/>
-              <a:t>2022/3/13</a:t>
+              <a:t>2022/8/21</a:t>
             </a:fld>
             <a:endParaRPr kumimoji="1" lang="ja-JP" altLang="en-US"/>
           </a:p>
@@ -2294,7 +2295,7 @@
           <a:p>
             <a:fld id="{66DE90E4-9A41-4B10-87B2-D038063C36D0}" type="datetimeFigureOut">
               <a:rPr kumimoji="1" lang="ja-JP" altLang="en-US" smtClean="0"/>
-              <a:t>2022/3/13</a:t>
+              <a:t>2022/8/21</a:t>
             </a:fld>
             <a:endParaRPr kumimoji="1" lang="ja-JP" altLang="en-US"/>
           </a:p>
@@ -2637,7 +2638,7 @@
           <a:p>
             <a:fld id="{66DE90E4-9A41-4B10-87B2-D038063C36D0}" type="datetimeFigureOut">
               <a:rPr kumimoji="1" lang="ja-JP" altLang="en-US" smtClean="0"/>
-              <a:t>2022/3/13</a:t>
+              <a:t>2022/8/21</a:t>
             </a:fld>
             <a:endParaRPr kumimoji="1" lang="ja-JP" altLang="en-US"/>
           </a:p>
@@ -2925,7 +2926,7 @@
           <a:p>
             <a:fld id="{66DE90E4-9A41-4B10-87B2-D038063C36D0}" type="datetimeFigureOut">
               <a:rPr kumimoji="1" lang="ja-JP" altLang="en-US" smtClean="0"/>
-              <a:t>2022/3/13</a:t>
+              <a:t>2022/8/21</a:t>
             </a:fld>
             <a:endParaRPr kumimoji="1" lang="ja-JP" altLang="en-US"/>
           </a:p>
@@ -3198,7 +3199,7 @@
           <a:p>
             <a:fld id="{66DE90E4-9A41-4B10-87B2-D038063C36D0}" type="datetimeFigureOut">
               <a:rPr kumimoji="1" lang="ja-JP" altLang="en-US" smtClean="0"/>
-              <a:t>2022/3/13</a:t>
+              <a:t>2022/8/21</a:t>
             </a:fld>
             <a:endParaRPr kumimoji="1" lang="ja-JP" altLang="en-US"/>
           </a:p>
@@ -6448,6 +6449,902 @@
 </p:sld>
 </file>
 
+<file path=ppt/slides/slide3.xml><?xml version="1.0" encoding="utf-8"?>
+<p:sld xmlns:a="http://schemas.openxmlformats.org/drawingml/2006/main" xmlns:r="http://schemas.openxmlformats.org/officeDocument/2006/relationships" xmlns:p="http://schemas.openxmlformats.org/presentationml/2006/main">
+  <p:cSld>
+    <p:spTree>
+      <p:nvGrpSpPr>
+        <p:cNvPr id="1" name=""/>
+        <p:cNvGrpSpPr/>
+        <p:nvPr/>
+      </p:nvGrpSpPr>
+      <p:grpSpPr>
+        <a:xfrm>
+          <a:off x="0" y="0"/>
+          <a:ext cx="0" cy="0"/>
+          <a:chOff x="0" y="0"/>
+          <a:chExt cx="0" cy="0"/>
+        </a:xfrm>
+      </p:grpSpPr>
+      <p:sp>
+        <p:nvSpPr>
+          <p:cNvPr id="4" name="正方形/長方形 3">
+            <a:extLst>
+              <a:ext uri="{FF2B5EF4-FFF2-40B4-BE49-F238E27FC236}">
+                <a16:creationId xmlns:a16="http://schemas.microsoft.com/office/drawing/2014/main" id="{83EBB759-02F4-6773-D745-741E52DCD9BB}"/>
+              </a:ext>
+            </a:extLst>
+          </p:cNvPr>
+          <p:cNvSpPr/>
+          <p:nvPr/>
+        </p:nvSpPr>
+        <p:spPr>
+          <a:xfrm>
+            <a:off x="1497496" y="4483652"/>
+            <a:ext cx="3034747" cy="622852"/>
+          </a:xfrm>
+          <a:prstGeom prst="rect">
+            <a:avLst/>
+          </a:prstGeom>
+          <a:solidFill>
+            <a:schemeClr val="accent2">
+              <a:lumMod val="75000"/>
+            </a:schemeClr>
+          </a:solidFill>
+          <a:ln>
+            <a:noFill/>
+          </a:ln>
+        </p:spPr>
+        <p:style>
+          <a:lnRef idx="2">
+            <a:schemeClr val="accent1">
+              <a:shade val="50000"/>
+            </a:schemeClr>
+          </a:lnRef>
+          <a:fillRef idx="1">
+            <a:schemeClr val="accent1"/>
+          </a:fillRef>
+          <a:effectRef idx="0">
+            <a:schemeClr val="accent1"/>
+          </a:effectRef>
+          <a:fontRef idx="minor">
+            <a:schemeClr val="lt1"/>
+          </a:fontRef>
+        </p:style>
+        <p:txBody>
+          <a:bodyPr rtlCol="0" anchor="ctr"/>
+          <a:lstStyle/>
+          <a:p>
+            <a:pPr algn="ctr"/>
+            <a:r>
+              <a:rPr kumimoji="1" lang="en-US" altLang="ja-JP" dirty="0"/>
+              <a:t>Ethernet / WLAN</a:t>
+            </a:r>
+            <a:endParaRPr kumimoji="1" lang="ja-JP" altLang="en-US" dirty="0"/>
+          </a:p>
+        </p:txBody>
+      </p:sp>
+      <p:sp>
+        <p:nvSpPr>
+          <p:cNvPr id="5" name="正方形/長方形 4">
+            <a:extLst>
+              <a:ext uri="{FF2B5EF4-FFF2-40B4-BE49-F238E27FC236}">
+                <a16:creationId xmlns:a16="http://schemas.microsoft.com/office/drawing/2014/main" id="{DC369C7E-0EF4-A167-6F7F-2076FF32EA2E}"/>
+              </a:ext>
+            </a:extLst>
+          </p:cNvPr>
+          <p:cNvSpPr/>
+          <p:nvPr/>
+        </p:nvSpPr>
+        <p:spPr>
+          <a:xfrm>
+            <a:off x="1497495" y="3860800"/>
+            <a:ext cx="3034747" cy="622852"/>
+          </a:xfrm>
+          <a:prstGeom prst="rect">
+            <a:avLst/>
+          </a:prstGeom>
+          <a:solidFill>
+            <a:schemeClr val="accent3">
+              <a:lumMod val="50000"/>
+            </a:schemeClr>
+          </a:solidFill>
+          <a:ln>
+            <a:noFill/>
+          </a:ln>
+        </p:spPr>
+        <p:style>
+          <a:lnRef idx="2">
+            <a:schemeClr val="accent1">
+              <a:shade val="50000"/>
+            </a:schemeClr>
+          </a:lnRef>
+          <a:fillRef idx="1">
+            <a:schemeClr val="accent1"/>
+          </a:fillRef>
+          <a:effectRef idx="0">
+            <a:schemeClr val="accent1"/>
+          </a:effectRef>
+          <a:fontRef idx="minor">
+            <a:schemeClr val="lt1"/>
+          </a:fontRef>
+        </p:style>
+        <p:txBody>
+          <a:bodyPr rtlCol="0" anchor="ctr"/>
+          <a:lstStyle/>
+          <a:p>
+            <a:pPr algn="ctr"/>
+            <a:r>
+              <a:rPr kumimoji="1" lang="en-US" altLang="ja-JP" dirty="0"/>
+              <a:t>IP</a:t>
+            </a:r>
+            <a:endParaRPr kumimoji="1" lang="ja-JP" altLang="en-US" dirty="0"/>
+          </a:p>
+        </p:txBody>
+      </p:sp>
+      <p:sp>
+        <p:nvSpPr>
+          <p:cNvPr id="6" name="正方形/長方形 5">
+            <a:extLst>
+              <a:ext uri="{FF2B5EF4-FFF2-40B4-BE49-F238E27FC236}">
+                <a16:creationId xmlns:a16="http://schemas.microsoft.com/office/drawing/2014/main" id="{A0BF5F84-9147-6DFF-3355-7EAB3598D9EA}"/>
+              </a:ext>
+            </a:extLst>
+          </p:cNvPr>
+          <p:cNvSpPr/>
+          <p:nvPr/>
+        </p:nvSpPr>
+        <p:spPr>
+          <a:xfrm>
+            <a:off x="1497494" y="3237948"/>
+            <a:ext cx="3034747" cy="622852"/>
+          </a:xfrm>
+          <a:prstGeom prst="rect">
+            <a:avLst/>
+          </a:prstGeom>
+          <a:solidFill>
+            <a:schemeClr val="accent3">
+              <a:lumMod val="75000"/>
+            </a:schemeClr>
+          </a:solidFill>
+          <a:ln>
+            <a:noFill/>
+          </a:ln>
+        </p:spPr>
+        <p:style>
+          <a:lnRef idx="2">
+            <a:schemeClr val="accent1">
+              <a:shade val="50000"/>
+            </a:schemeClr>
+          </a:lnRef>
+          <a:fillRef idx="1">
+            <a:schemeClr val="accent1"/>
+          </a:fillRef>
+          <a:effectRef idx="0">
+            <a:schemeClr val="accent1"/>
+          </a:effectRef>
+          <a:fontRef idx="minor">
+            <a:schemeClr val="lt1"/>
+          </a:fontRef>
+        </p:style>
+        <p:txBody>
+          <a:bodyPr rtlCol="0" anchor="ctr"/>
+          <a:lstStyle/>
+          <a:p>
+            <a:pPr algn="ctr"/>
+            <a:r>
+              <a:rPr kumimoji="1" lang="en-US" altLang="ja-JP" dirty="0"/>
+              <a:t>UDP</a:t>
+            </a:r>
+            <a:endParaRPr kumimoji="1" lang="ja-JP" altLang="en-US" dirty="0"/>
+          </a:p>
+        </p:txBody>
+      </p:sp>
+      <p:sp>
+        <p:nvSpPr>
+          <p:cNvPr id="7" name="正方形/長方形 6">
+            <a:extLst>
+              <a:ext uri="{FF2B5EF4-FFF2-40B4-BE49-F238E27FC236}">
+                <a16:creationId xmlns:a16="http://schemas.microsoft.com/office/drawing/2014/main" id="{17BE4265-43B0-C6E0-E9D2-92CD479A0059}"/>
+              </a:ext>
+            </a:extLst>
+          </p:cNvPr>
+          <p:cNvSpPr/>
+          <p:nvPr/>
+        </p:nvSpPr>
+        <p:spPr>
+          <a:xfrm>
+            <a:off x="1497494" y="2615096"/>
+            <a:ext cx="3034747" cy="622852"/>
+          </a:xfrm>
+          <a:prstGeom prst="rect">
+            <a:avLst/>
+          </a:prstGeom>
+          <a:solidFill>
+            <a:schemeClr val="accent4">
+              <a:lumMod val="75000"/>
+            </a:schemeClr>
+          </a:solidFill>
+          <a:ln>
+            <a:noFill/>
+          </a:ln>
+        </p:spPr>
+        <p:style>
+          <a:lnRef idx="2">
+            <a:schemeClr val="accent1">
+              <a:shade val="50000"/>
+            </a:schemeClr>
+          </a:lnRef>
+          <a:fillRef idx="1">
+            <a:schemeClr val="accent1"/>
+          </a:fillRef>
+          <a:effectRef idx="0">
+            <a:schemeClr val="accent1"/>
+          </a:effectRef>
+          <a:fontRef idx="minor">
+            <a:schemeClr val="lt1"/>
+          </a:fontRef>
+        </p:style>
+        <p:txBody>
+          <a:bodyPr rtlCol="0" anchor="ctr"/>
+          <a:lstStyle/>
+          <a:p>
+            <a:pPr algn="ctr"/>
+            <a:r>
+              <a:rPr kumimoji="1" lang="en-US" altLang="ja-JP" dirty="0"/>
+              <a:t>OSC</a:t>
+            </a:r>
+            <a:endParaRPr kumimoji="1" lang="ja-JP" altLang="en-US" dirty="0"/>
+          </a:p>
+        </p:txBody>
+      </p:sp>
+      <p:sp>
+        <p:nvSpPr>
+          <p:cNvPr id="8" name="正方形/長方形 7">
+            <a:extLst>
+              <a:ext uri="{FF2B5EF4-FFF2-40B4-BE49-F238E27FC236}">
+                <a16:creationId xmlns:a16="http://schemas.microsoft.com/office/drawing/2014/main" id="{469384A2-4C5E-F4FB-6572-2E302B8C85C5}"/>
+              </a:ext>
+            </a:extLst>
+          </p:cNvPr>
+          <p:cNvSpPr/>
+          <p:nvPr/>
+        </p:nvSpPr>
+        <p:spPr>
+          <a:xfrm>
+            <a:off x="1497494" y="1992244"/>
+            <a:ext cx="3034747" cy="622852"/>
+          </a:xfrm>
+          <a:prstGeom prst="rect">
+            <a:avLst/>
+          </a:prstGeom>
+          <a:solidFill>
+            <a:schemeClr val="accent5">
+              <a:lumMod val="75000"/>
+            </a:schemeClr>
+          </a:solidFill>
+          <a:ln>
+            <a:noFill/>
+          </a:ln>
+        </p:spPr>
+        <p:style>
+          <a:lnRef idx="2">
+            <a:schemeClr val="accent1">
+              <a:shade val="50000"/>
+            </a:schemeClr>
+          </a:lnRef>
+          <a:fillRef idx="1">
+            <a:schemeClr val="accent1"/>
+          </a:fillRef>
+          <a:effectRef idx="0">
+            <a:schemeClr val="accent1"/>
+          </a:effectRef>
+          <a:fontRef idx="minor">
+            <a:schemeClr val="lt1"/>
+          </a:fontRef>
+        </p:style>
+        <p:txBody>
+          <a:bodyPr rtlCol="0" anchor="ctr"/>
+          <a:lstStyle/>
+          <a:p>
+            <a:pPr algn="ctr"/>
+            <a:r>
+              <a:rPr kumimoji="1" lang="en-US" altLang="ja-JP" dirty="0"/>
+              <a:t>VMC Protocol</a:t>
+            </a:r>
+            <a:endParaRPr kumimoji="1" lang="ja-JP" altLang="en-US" dirty="0"/>
+          </a:p>
+        </p:txBody>
+      </p:sp>
+      <p:sp>
+        <p:nvSpPr>
+          <p:cNvPr id="9" name="正方形/長方形 8">
+            <a:extLst>
+              <a:ext uri="{FF2B5EF4-FFF2-40B4-BE49-F238E27FC236}">
+                <a16:creationId xmlns:a16="http://schemas.microsoft.com/office/drawing/2014/main" id="{E04ACDF6-73E3-1604-E42A-47ED0CE796BE}"/>
+              </a:ext>
+            </a:extLst>
+          </p:cNvPr>
+          <p:cNvSpPr/>
+          <p:nvPr/>
+        </p:nvSpPr>
+        <p:spPr>
+          <a:xfrm>
+            <a:off x="1497494" y="1369392"/>
+            <a:ext cx="3034747" cy="622852"/>
+          </a:xfrm>
+          <a:prstGeom prst="rect">
+            <a:avLst/>
+          </a:prstGeom>
+          <a:solidFill>
+            <a:schemeClr val="accent6">
+              <a:lumMod val="75000"/>
+            </a:schemeClr>
+          </a:solidFill>
+          <a:ln>
+            <a:noFill/>
+          </a:ln>
+        </p:spPr>
+        <p:style>
+          <a:lnRef idx="2">
+            <a:schemeClr val="accent1">
+              <a:shade val="50000"/>
+            </a:schemeClr>
+          </a:lnRef>
+          <a:fillRef idx="1">
+            <a:schemeClr val="accent1"/>
+          </a:fillRef>
+          <a:effectRef idx="0">
+            <a:schemeClr val="accent1"/>
+          </a:effectRef>
+          <a:fontRef idx="minor">
+            <a:schemeClr val="lt1"/>
+          </a:fontRef>
+        </p:style>
+        <p:txBody>
+          <a:bodyPr rtlCol="0" anchor="ctr"/>
+          <a:lstStyle/>
+          <a:p>
+            <a:pPr algn="ctr"/>
+            <a:r>
+              <a:rPr kumimoji="1" lang="en-US" altLang="ja-JP" dirty="0"/>
+              <a:t>Your Application</a:t>
+            </a:r>
+            <a:endParaRPr kumimoji="1" lang="ja-JP" altLang="en-US" dirty="0"/>
+          </a:p>
+        </p:txBody>
+      </p:sp>
+      <p:sp>
+        <p:nvSpPr>
+          <p:cNvPr id="10" name="正方形/長方形 9">
+            <a:extLst>
+              <a:ext uri="{FF2B5EF4-FFF2-40B4-BE49-F238E27FC236}">
+                <a16:creationId xmlns:a16="http://schemas.microsoft.com/office/drawing/2014/main" id="{BA547091-AE28-2111-DDB2-3DDAE0375EA0}"/>
+              </a:ext>
+            </a:extLst>
+          </p:cNvPr>
+          <p:cNvSpPr/>
+          <p:nvPr/>
+        </p:nvSpPr>
+        <p:spPr>
+          <a:xfrm>
+            <a:off x="6014279" y="4483652"/>
+            <a:ext cx="3034747" cy="622852"/>
+          </a:xfrm>
+          <a:prstGeom prst="rect">
+            <a:avLst/>
+          </a:prstGeom>
+          <a:solidFill>
+            <a:schemeClr val="accent2">
+              <a:lumMod val="75000"/>
+            </a:schemeClr>
+          </a:solidFill>
+          <a:ln>
+            <a:noFill/>
+          </a:ln>
+        </p:spPr>
+        <p:style>
+          <a:lnRef idx="2">
+            <a:schemeClr val="accent1">
+              <a:shade val="50000"/>
+            </a:schemeClr>
+          </a:lnRef>
+          <a:fillRef idx="1">
+            <a:schemeClr val="accent1"/>
+          </a:fillRef>
+          <a:effectRef idx="0">
+            <a:schemeClr val="accent1"/>
+          </a:effectRef>
+          <a:fontRef idx="minor">
+            <a:schemeClr val="lt1"/>
+          </a:fontRef>
+        </p:style>
+        <p:txBody>
+          <a:bodyPr rtlCol="0" anchor="ctr"/>
+          <a:lstStyle/>
+          <a:p>
+            <a:pPr algn="ctr"/>
+            <a:r>
+              <a:rPr kumimoji="1" lang="en-US" altLang="ja-JP" dirty="0"/>
+              <a:t>Ethernet / WLAN</a:t>
+            </a:r>
+            <a:endParaRPr kumimoji="1" lang="ja-JP" altLang="en-US" dirty="0"/>
+          </a:p>
+        </p:txBody>
+      </p:sp>
+      <p:sp>
+        <p:nvSpPr>
+          <p:cNvPr id="11" name="正方形/長方形 10">
+            <a:extLst>
+              <a:ext uri="{FF2B5EF4-FFF2-40B4-BE49-F238E27FC236}">
+                <a16:creationId xmlns:a16="http://schemas.microsoft.com/office/drawing/2014/main" id="{94095A70-F405-3F35-4429-1DFA34889925}"/>
+              </a:ext>
+            </a:extLst>
+          </p:cNvPr>
+          <p:cNvSpPr/>
+          <p:nvPr/>
+        </p:nvSpPr>
+        <p:spPr>
+          <a:xfrm>
+            <a:off x="6014278" y="3860800"/>
+            <a:ext cx="3034747" cy="622852"/>
+          </a:xfrm>
+          <a:prstGeom prst="rect">
+            <a:avLst/>
+          </a:prstGeom>
+          <a:solidFill>
+            <a:schemeClr val="accent3">
+              <a:lumMod val="50000"/>
+            </a:schemeClr>
+          </a:solidFill>
+          <a:ln>
+            <a:noFill/>
+          </a:ln>
+        </p:spPr>
+        <p:style>
+          <a:lnRef idx="2">
+            <a:schemeClr val="accent1">
+              <a:shade val="50000"/>
+            </a:schemeClr>
+          </a:lnRef>
+          <a:fillRef idx="1">
+            <a:schemeClr val="accent1"/>
+          </a:fillRef>
+          <a:effectRef idx="0">
+            <a:schemeClr val="accent1"/>
+          </a:effectRef>
+          <a:fontRef idx="minor">
+            <a:schemeClr val="lt1"/>
+          </a:fontRef>
+        </p:style>
+        <p:txBody>
+          <a:bodyPr rtlCol="0" anchor="ctr"/>
+          <a:lstStyle/>
+          <a:p>
+            <a:pPr algn="ctr"/>
+            <a:r>
+              <a:rPr kumimoji="1" lang="en-US" altLang="ja-JP" dirty="0"/>
+              <a:t>IP</a:t>
+            </a:r>
+            <a:endParaRPr kumimoji="1" lang="ja-JP" altLang="en-US" dirty="0"/>
+          </a:p>
+        </p:txBody>
+      </p:sp>
+      <p:sp>
+        <p:nvSpPr>
+          <p:cNvPr id="12" name="正方形/長方形 11">
+            <a:extLst>
+              <a:ext uri="{FF2B5EF4-FFF2-40B4-BE49-F238E27FC236}">
+                <a16:creationId xmlns:a16="http://schemas.microsoft.com/office/drawing/2014/main" id="{B634981F-0DB8-A516-7AFD-3B72934616D1}"/>
+              </a:ext>
+            </a:extLst>
+          </p:cNvPr>
+          <p:cNvSpPr/>
+          <p:nvPr/>
+        </p:nvSpPr>
+        <p:spPr>
+          <a:xfrm>
+            <a:off x="6014277" y="3237948"/>
+            <a:ext cx="3034747" cy="622852"/>
+          </a:xfrm>
+          <a:prstGeom prst="rect">
+            <a:avLst/>
+          </a:prstGeom>
+          <a:solidFill>
+            <a:schemeClr val="accent3">
+              <a:lumMod val="75000"/>
+            </a:schemeClr>
+          </a:solidFill>
+          <a:ln>
+            <a:noFill/>
+          </a:ln>
+        </p:spPr>
+        <p:style>
+          <a:lnRef idx="2">
+            <a:schemeClr val="accent1">
+              <a:shade val="50000"/>
+            </a:schemeClr>
+          </a:lnRef>
+          <a:fillRef idx="1">
+            <a:schemeClr val="accent1"/>
+          </a:fillRef>
+          <a:effectRef idx="0">
+            <a:schemeClr val="accent1"/>
+          </a:effectRef>
+          <a:fontRef idx="minor">
+            <a:schemeClr val="lt1"/>
+          </a:fontRef>
+        </p:style>
+        <p:txBody>
+          <a:bodyPr rtlCol="0" anchor="ctr"/>
+          <a:lstStyle/>
+          <a:p>
+            <a:pPr algn="ctr"/>
+            <a:r>
+              <a:rPr kumimoji="1" lang="en-US" altLang="ja-JP" dirty="0"/>
+              <a:t>UDP</a:t>
+            </a:r>
+            <a:endParaRPr kumimoji="1" lang="ja-JP" altLang="en-US" dirty="0"/>
+          </a:p>
+        </p:txBody>
+      </p:sp>
+      <p:sp>
+        <p:nvSpPr>
+          <p:cNvPr id="13" name="正方形/長方形 12">
+            <a:extLst>
+              <a:ext uri="{FF2B5EF4-FFF2-40B4-BE49-F238E27FC236}">
+                <a16:creationId xmlns:a16="http://schemas.microsoft.com/office/drawing/2014/main" id="{A28BAB54-D797-E6E3-1B84-5CCF0EE92649}"/>
+              </a:ext>
+            </a:extLst>
+          </p:cNvPr>
+          <p:cNvSpPr/>
+          <p:nvPr/>
+        </p:nvSpPr>
+        <p:spPr>
+          <a:xfrm>
+            <a:off x="6014277" y="2615096"/>
+            <a:ext cx="3034747" cy="622852"/>
+          </a:xfrm>
+          <a:prstGeom prst="rect">
+            <a:avLst/>
+          </a:prstGeom>
+          <a:solidFill>
+            <a:schemeClr val="accent4">
+              <a:lumMod val="75000"/>
+            </a:schemeClr>
+          </a:solidFill>
+          <a:ln>
+            <a:noFill/>
+          </a:ln>
+        </p:spPr>
+        <p:style>
+          <a:lnRef idx="2">
+            <a:schemeClr val="accent1">
+              <a:shade val="50000"/>
+            </a:schemeClr>
+          </a:lnRef>
+          <a:fillRef idx="1">
+            <a:schemeClr val="accent1"/>
+          </a:fillRef>
+          <a:effectRef idx="0">
+            <a:schemeClr val="accent1"/>
+          </a:effectRef>
+          <a:fontRef idx="minor">
+            <a:schemeClr val="lt1"/>
+          </a:fontRef>
+        </p:style>
+        <p:txBody>
+          <a:bodyPr rtlCol="0" anchor="ctr"/>
+          <a:lstStyle/>
+          <a:p>
+            <a:pPr algn="ctr"/>
+            <a:r>
+              <a:rPr kumimoji="1" lang="en-US" altLang="ja-JP" dirty="0"/>
+              <a:t>OSC</a:t>
+            </a:r>
+            <a:endParaRPr kumimoji="1" lang="ja-JP" altLang="en-US" dirty="0"/>
+          </a:p>
+        </p:txBody>
+      </p:sp>
+      <p:sp>
+        <p:nvSpPr>
+          <p:cNvPr id="14" name="正方形/長方形 13">
+            <a:extLst>
+              <a:ext uri="{FF2B5EF4-FFF2-40B4-BE49-F238E27FC236}">
+                <a16:creationId xmlns:a16="http://schemas.microsoft.com/office/drawing/2014/main" id="{54DFE036-15DB-0792-5DD6-0A5EF50F76BA}"/>
+              </a:ext>
+            </a:extLst>
+          </p:cNvPr>
+          <p:cNvSpPr/>
+          <p:nvPr/>
+        </p:nvSpPr>
+        <p:spPr>
+          <a:xfrm>
+            <a:off x="6014277" y="1992244"/>
+            <a:ext cx="3034747" cy="622852"/>
+          </a:xfrm>
+          <a:prstGeom prst="rect">
+            <a:avLst/>
+          </a:prstGeom>
+          <a:solidFill>
+            <a:schemeClr val="accent5">
+              <a:lumMod val="75000"/>
+            </a:schemeClr>
+          </a:solidFill>
+          <a:ln>
+            <a:noFill/>
+          </a:ln>
+        </p:spPr>
+        <p:style>
+          <a:lnRef idx="2">
+            <a:schemeClr val="accent1">
+              <a:shade val="50000"/>
+            </a:schemeClr>
+          </a:lnRef>
+          <a:fillRef idx="1">
+            <a:schemeClr val="accent1"/>
+          </a:fillRef>
+          <a:effectRef idx="0">
+            <a:schemeClr val="accent1"/>
+          </a:effectRef>
+          <a:fontRef idx="minor">
+            <a:schemeClr val="lt1"/>
+          </a:fontRef>
+        </p:style>
+        <p:txBody>
+          <a:bodyPr rtlCol="0" anchor="ctr"/>
+          <a:lstStyle/>
+          <a:p>
+            <a:pPr algn="ctr"/>
+            <a:r>
+              <a:rPr kumimoji="1" lang="en-US" altLang="ja-JP" dirty="0"/>
+              <a:t>VMC Protocol</a:t>
+            </a:r>
+            <a:endParaRPr kumimoji="1" lang="ja-JP" altLang="en-US" dirty="0"/>
+          </a:p>
+        </p:txBody>
+      </p:sp>
+      <p:sp>
+        <p:nvSpPr>
+          <p:cNvPr id="15" name="正方形/長方形 14">
+            <a:extLst>
+              <a:ext uri="{FF2B5EF4-FFF2-40B4-BE49-F238E27FC236}">
+                <a16:creationId xmlns:a16="http://schemas.microsoft.com/office/drawing/2014/main" id="{26D5A850-0A41-74A8-B0E0-D365A24599C9}"/>
+              </a:ext>
+            </a:extLst>
+          </p:cNvPr>
+          <p:cNvSpPr/>
+          <p:nvPr/>
+        </p:nvSpPr>
+        <p:spPr>
+          <a:xfrm>
+            <a:off x="6014277" y="1369392"/>
+            <a:ext cx="3034747" cy="622852"/>
+          </a:xfrm>
+          <a:prstGeom prst="rect">
+            <a:avLst/>
+          </a:prstGeom>
+          <a:solidFill>
+            <a:schemeClr val="accent6">
+              <a:lumMod val="75000"/>
+            </a:schemeClr>
+          </a:solidFill>
+          <a:ln>
+            <a:noFill/>
+          </a:ln>
+        </p:spPr>
+        <p:style>
+          <a:lnRef idx="2">
+            <a:schemeClr val="accent1">
+              <a:shade val="50000"/>
+            </a:schemeClr>
+          </a:lnRef>
+          <a:fillRef idx="1">
+            <a:schemeClr val="accent1"/>
+          </a:fillRef>
+          <a:effectRef idx="0">
+            <a:schemeClr val="accent1"/>
+          </a:effectRef>
+          <a:fontRef idx="minor">
+            <a:schemeClr val="lt1"/>
+          </a:fontRef>
+        </p:style>
+        <p:txBody>
+          <a:bodyPr rtlCol="0" anchor="ctr"/>
+          <a:lstStyle/>
+          <a:p>
+            <a:pPr algn="ctr"/>
+            <a:r>
+              <a:rPr kumimoji="1" lang="en-US" altLang="ja-JP" dirty="0"/>
+              <a:t>Your Application</a:t>
+            </a:r>
+            <a:endParaRPr kumimoji="1" lang="ja-JP" altLang="en-US" dirty="0"/>
+          </a:p>
+        </p:txBody>
+      </p:sp>
+      <p:cxnSp>
+        <p:nvCxnSpPr>
+          <p:cNvPr id="17" name="直線矢印コネクタ 16">
+            <a:extLst>
+              <a:ext uri="{FF2B5EF4-FFF2-40B4-BE49-F238E27FC236}">
+                <a16:creationId xmlns:a16="http://schemas.microsoft.com/office/drawing/2014/main" id="{7A5EE3E2-2083-C8C0-6726-18A6FC1A4317}"/>
+              </a:ext>
+            </a:extLst>
+          </p:cNvPr>
+          <p:cNvCxnSpPr>
+            <a:cxnSpLocks/>
+          </p:cNvCxnSpPr>
+          <p:nvPr/>
+        </p:nvCxnSpPr>
+        <p:spPr>
+          <a:xfrm>
+            <a:off x="4227443" y="1992244"/>
+            <a:ext cx="0" cy="2491408"/>
+          </a:xfrm>
+          <a:prstGeom prst="straightConnector1">
+            <a:avLst/>
+          </a:prstGeom>
+          <a:ln w="57150">
+            <a:solidFill>
+              <a:schemeClr val="tx1"/>
+            </a:solidFill>
+            <a:tailEnd type="triangle"/>
+          </a:ln>
+        </p:spPr>
+        <p:style>
+          <a:lnRef idx="1">
+            <a:schemeClr val="accent1"/>
+          </a:lnRef>
+          <a:fillRef idx="0">
+            <a:schemeClr val="accent1"/>
+          </a:fillRef>
+          <a:effectRef idx="0">
+            <a:schemeClr val="accent1"/>
+          </a:effectRef>
+          <a:fontRef idx="minor">
+            <a:schemeClr val="tx1"/>
+          </a:fontRef>
+        </p:style>
+      </p:cxnSp>
+      <p:cxnSp>
+        <p:nvCxnSpPr>
+          <p:cNvPr id="18" name="直線矢印コネクタ 17">
+            <a:extLst>
+              <a:ext uri="{FF2B5EF4-FFF2-40B4-BE49-F238E27FC236}">
+                <a16:creationId xmlns:a16="http://schemas.microsoft.com/office/drawing/2014/main" id="{D22882EE-5B6C-125F-BDA1-55058BF05B17}"/>
+              </a:ext>
+            </a:extLst>
+          </p:cNvPr>
+          <p:cNvCxnSpPr>
+            <a:cxnSpLocks/>
+            <a:stCxn id="4" idx="3"/>
+            <a:endCxn id="10" idx="1"/>
+          </p:cNvCxnSpPr>
+          <p:nvPr/>
+        </p:nvCxnSpPr>
+        <p:spPr>
+          <a:xfrm>
+            <a:off x="4532243" y="4795078"/>
+            <a:ext cx="1482036" cy="0"/>
+          </a:xfrm>
+          <a:prstGeom prst="straightConnector1">
+            <a:avLst/>
+          </a:prstGeom>
+          <a:ln w="57150">
+            <a:solidFill>
+              <a:schemeClr val="tx1"/>
+            </a:solidFill>
+            <a:tailEnd type="triangle"/>
+          </a:ln>
+        </p:spPr>
+        <p:style>
+          <a:lnRef idx="1">
+            <a:schemeClr val="accent1"/>
+          </a:lnRef>
+          <a:fillRef idx="0">
+            <a:schemeClr val="accent1"/>
+          </a:fillRef>
+          <a:effectRef idx="0">
+            <a:schemeClr val="accent1"/>
+          </a:effectRef>
+          <a:fontRef idx="minor">
+            <a:schemeClr val="tx1"/>
+          </a:fontRef>
+        </p:style>
+      </p:cxnSp>
+      <p:cxnSp>
+        <p:nvCxnSpPr>
+          <p:cNvPr id="23" name="直線矢印コネクタ 22">
+            <a:extLst>
+              <a:ext uri="{FF2B5EF4-FFF2-40B4-BE49-F238E27FC236}">
+                <a16:creationId xmlns:a16="http://schemas.microsoft.com/office/drawing/2014/main" id="{ED2AFB1D-6892-A66D-A7C0-DB4F2B8EA1F5}"/>
+              </a:ext>
+            </a:extLst>
+          </p:cNvPr>
+          <p:cNvCxnSpPr>
+            <a:cxnSpLocks/>
+          </p:cNvCxnSpPr>
+          <p:nvPr/>
+        </p:nvCxnSpPr>
+        <p:spPr>
+          <a:xfrm flipV="1">
+            <a:off x="6221896" y="2003287"/>
+            <a:ext cx="0" cy="2710070"/>
+          </a:xfrm>
+          <a:prstGeom prst="straightConnector1">
+            <a:avLst/>
+          </a:prstGeom>
+          <a:ln w="57150">
+            <a:solidFill>
+              <a:schemeClr val="tx1"/>
+            </a:solidFill>
+            <a:tailEnd type="triangle"/>
+          </a:ln>
+        </p:spPr>
+        <p:style>
+          <a:lnRef idx="1">
+            <a:schemeClr val="accent1"/>
+          </a:lnRef>
+          <a:fillRef idx="0">
+            <a:schemeClr val="accent1"/>
+          </a:fillRef>
+          <a:effectRef idx="0">
+            <a:schemeClr val="accent1"/>
+          </a:effectRef>
+          <a:fontRef idx="minor">
+            <a:schemeClr val="tx1"/>
+          </a:fontRef>
+        </p:style>
+      </p:cxnSp>
+      <p:sp>
+        <p:nvSpPr>
+          <p:cNvPr id="26" name="テキスト ボックス 25">
+            <a:extLst>
+              <a:ext uri="{FF2B5EF4-FFF2-40B4-BE49-F238E27FC236}">
+                <a16:creationId xmlns:a16="http://schemas.microsoft.com/office/drawing/2014/main" id="{8A187227-29FC-75F5-F480-CE0A1B075849}"/>
+              </a:ext>
+            </a:extLst>
+          </p:cNvPr>
+          <p:cNvSpPr txBox="1"/>
+          <p:nvPr/>
+        </p:nvSpPr>
+        <p:spPr>
+          <a:xfrm>
+            <a:off x="5234608" y="4427092"/>
+            <a:ext cx="826052" cy="369332"/>
+          </a:xfrm>
+          <a:prstGeom prst="rect">
+            <a:avLst/>
+          </a:prstGeom>
+          <a:noFill/>
+        </p:spPr>
+        <p:txBody>
+          <a:bodyPr wrap="square" rtlCol="0">
+            <a:spAutoFit/>
+          </a:bodyPr>
+          <a:lstStyle/>
+          <a:p>
+            <a:r>
+              <a:rPr kumimoji="1" lang="en-US" altLang="ja-JP" dirty="0"/>
+              <a:t>39539</a:t>
+            </a:r>
+            <a:endParaRPr kumimoji="1" lang="ja-JP" altLang="en-US" dirty="0"/>
+          </a:p>
+        </p:txBody>
+      </p:sp>
+    </p:spTree>
+    <p:extLst>
+      <p:ext uri="{BB962C8B-B14F-4D97-AF65-F5344CB8AC3E}">
+        <p14:creationId xmlns:p14="http://schemas.microsoft.com/office/powerpoint/2010/main" val="258829357"/>
+      </p:ext>
+    </p:extLst>
+  </p:cSld>
+  <p:clrMapOvr>
+    <a:masterClrMapping/>
+  </p:clrMapOvr>
+</p:sld>
+</file>
+
 <file path=ppt/theme/theme1.xml><?xml version="1.0" encoding="utf-8"?>
 <a:theme xmlns:a="http://schemas.openxmlformats.org/drawingml/2006/main" name="Office テーマ">
   <a:themeElements>
